--- a/document/00_setup_handson_env/図版.pptx
+++ b/document/00_setup_handson_env/図版.pptx
@@ -6,6 +6,8 @@
   </p:sldMasterIdLst>
   <p:sldIdLst>
     <p:sldId id="256" r:id="rId2"/>
+    <p:sldId id="257" r:id="rId3"/>
+    <p:sldId id="258" r:id="rId4"/>
   </p:sldIdLst>
   <p:sldSz cx="12192000" cy="6858000"/>
   <p:notesSz cx="6858000" cy="9144000"/>
@@ -3614,10 +3616,323 @@
           <a:chExt cx="0" cy="0"/>
         </a:xfrm>
       </p:grpSpPr>
+      <p:pic>
+        <p:nvPicPr>
+          <p:cNvPr id="2" name="図 1">
+            <a:extLst>
+              <a:ext uri="{FF2B5EF4-FFF2-40B4-BE49-F238E27FC236}">
+                <a16:creationId xmlns:a16="http://schemas.microsoft.com/office/drawing/2014/main" id="{9C575985-49F1-4F95-8E45-7B103635DAEE}"/>
+              </a:ext>
+            </a:extLst>
+          </p:cNvPr>
+          <p:cNvPicPr>
+            <a:picLocks noChangeAspect="1"/>
+          </p:cNvPicPr>
+          <p:nvPr/>
+        </p:nvPicPr>
+        <p:blipFill rotWithShape="1">
+          <a:blip r:embed="rId2"/>
+          <a:srcRect l="9394" t="15454" r="25353" b="23131"/>
+          <a:stretch/>
+        </p:blipFill>
+        <p:spPr>
+          <a:xfrm>
+            <a:off x="443345" y="374073"/>
+            <a:ext cx="6712527" cy="4211782"/>
+          </a:xfrm>
+          <a:prstGeom prst="rect">
+            <a:avLst/>
+          </a:prstGeom>
+          <a:ln>
+            <a:noFill/>
+          </a:ln>
+          <a:effectLst>
+            <a:outerShdw blurRad="292100" dist="139700" dir="2700000" algn="tl" rotWithShape="0">
+              <a:srgbClr val="333333">
+                <a:alpha val="65000"/>
+              </a:srgbClr>
+            </a:outerShdw>
+          </a:effectLst>
+        </p:spPr>
+      </p:pic>
+      <p:sp>
+        <p:nvSpPr>
+          <p:cNvPr id="3" name="楕円 2">
+            <a:extLst>
+              <a:ext uri="{FF2B5EF4-FFF2-40B4-BE49-F238E27FC236}">
+                <a16:creationId xmlns:a16="http://schemas.microsoft.com/office/drawing/2014/main" id="{46E116F9-F7B8-4141-B2B5-79B747547F6B}"/>
+              </a:ext>
+            </a:extLst>
+          </p:cNvPr>
+          <p:cNvSpPr/>
+          <p:nvPr/>
+        </p:nvSpPr>
+        <p:spPr>
+          <a:xfrm>
+            <a:off x="2170100" y="3212467"/>
+            <a:ext cx="1744981" cy="304467"/>
+          </a:xfrm>
+          <a:prstGeom prst="ellipse">
+            <a:avLst/>
+          </a:prstGeom>
+          <a:noFill/>
+          <a:ln w="28575">
+            <a:solidFill>
+              <a:srgbClr val="FF0000"/>
+            </a:solidFill>
+          </a:ln>
+        </p:spPr>
+        <p:style>
+          <a:lnRef idx="2">
+            <a:schemeClr val="accent1">
+              <a:shade val="50000"/>
+            </a:schemeClr>
+          </a:lnRef>
+          <a:fillRef idx="1">
+            <a:schemeClr val="accent1"/>
+          </a:fillRef>
+          <a:effectRef idx="0">
+            <a:schemeClr val="accent1"/>
+          </a:effectRef>
+          <a:fontRef idx="minor">
+            <a:schemeClr val="lt1"/>
+          </a:fontRef>
+        </p:style>
+        <p:txBody>
+          <a:bodyPr rtlCol="0" anchor="ctr"/>
+          <a:lstStyle/>
+          <a:p>
+            <a:pPr algn="ctr"/>
+            <a:endParaRPr kumimoji="1" lang="ja-JP" altLang="en-US"/>
+          </a:p>
+        </p:txBody>
+      </p:sp>
     </p:spTree>
     <p:extLst>
       <p:ext uri="{BB962C8B-B14F-4D97-AF65-F5344CB8AC3E}">
         <p14:creationId xmlns:p14="http://schemas.microsoft.com/office/powerpoint/2010/main" val="4183226836"/>
+      </p:ext>
+    </p:extLst>
+  </p:cSld>
+  <p:clrMapOvr>
+    <a:masterClrMapping/>
+  </p:clrMapOvr>
+</p:sld>
+</file>
+
+<file path=ppt/slides/slide2.xml><?xml version="1.0" encoding="utf-8"?>
+<p:sld xmlns:a="http://schemas.openxmlformats.org/drawingml/2006/main" xmlns:r="http://schemas.openxmlformats.org/officeDocument/2006/relationships" xmlns:p="http://schemas.openxmlformats.org/presentationml/2006/main">
+  <p:cSld>
+    <p:spTree>
+      <p:nvGrpSpPr>
+        <p:cNvPr id="1" name=""/>
+        <p:cNvGrpSpPr/>
+        <p:nvPr/>
+      </p:nvGrpSpPr>
+      <p:grpSpPr>
+        <a:xfrm>
+          <a:off x="0" y="0"/>
+          <a:ext cx="0" cy="0"/>
+          <a:chOff x="0" y="0"/>
+          <a:chExt cx="0" cy="0"/>
+        </a:xfrm>
+      </p:grpSpPr>
+      <p:pic>
+        <p:nvPicPr>
+          <p:cNvPr id="2" name="図 1">
+            <a:extLst>
+              <a:ext uri="{FF2B5EF4-FFF2-40B4-BE49-F238E27FC236}">
+                <a16:creationId xmlns:a16="http://schemas.microsoft.com/office/drawing/2014/main" id="{8E782B5D-524E-470A-8770-2FEDCE1EEC54}"/>
+              </a:ext>
+            </a:extLst>
+          </p:cNvPr>
+          <p:cNvPicPr>
+            <a:picLocks noChangeAspect="1"/>
+          </p:cNvPicPr>
+          <p:nvPr/>
+        </p:nvPicPr>
+        <p:blipFill>
+          <a:blip r:embed="rId2"/>
+          <a:stretch>
+            <a:fillRect/>
+          </a:stretch>
+        </p:blipFill>
+        <p:spPr>
+          <a:xfrm>
+            <a:off x="392173" y="380366"/>
+            <a:ext cx="7265145" cy="4684105"/>
+          </a:xfrm>
+          <a:prstGeom prst="rect">
+            <a:avLst/>
+          </a:prstGeom>
+          <a:ln>
+            <a:noFill/>
+          </a:ln>
+          <a:effectLst>
+            <a:outerShdw blurRad="292100" dist="139700" dir="2700000" algn="tl" rotWithShape="0">
+              <a:srgbClr val="333333">
+                <a:alpha val="65000"/>
+              </a:srgbClr>
+            </a:outerShdw>
+          </a:effectLst>
+        </p:spPr>
+      </p:pic>
+      <p:pic>
+        <p:nvPicPr>
+          <p:cNvPr id="3" name="図 2">
+            <a:extLst>
+              <a:ext uri="{FF2B5EF4-FFF2-40B4-BE49-F238E27FC236}">
+                <a16:creationId xmlns:a16="http://schemas.microsoft.com/office/drawing/2014/main" id="{97722435-2E2D-4981-BEEB-F64FC124A44F}"/>
+              </a:ext>
+            </a:extLst>
+          </p:cNvPr>
+          <p:cNvPicPr>
+            <a:picLocks noChangeAspect="1"/>
+          </p:cNvPicPr>
+          <p:nvPr/>
+        </p:nvPicPr>
+        <p:blipFill>
+          <a:blip r:embed="rId3"/>
+          <a:stretch>
+            <a:fillRect/>
+          </a:stretch>
+        </p:blipFill>
+        <p:spPr>
+          <a:xfrm>
+            <a:off x="3721152" y="1965446"/>
+            <a:ext cx="8268749" cy="4645072"/>
+          </a:xfrm>
+          <a:prstGeom prst="rect">
+            <a:avLst/>
+          </a:prstGeom>
+          <a:ln>
+            <a:noFill/>
+          </a:ln>
+          <a:effectLst>
+            <a:outerShdw blurRad="292100" dist="139700" dir="2700000" algn="tl" rotWithShape="0">
+              <a:srgbClr val="333333">
+                <a:alpha val="65000"/>
+              </a:srgbClr>
+            </a:outerShdw>
+          </a:effectLst>
+        </p:spPr>
+      </p:pic>
+      <p:sp>
+        <p:nvSpPr>
+          <p:cNvPr id="4" name="楕円 3">
+            <a:extLst>
+              <a:ext uri="{FF2B5EF4-FFF2-40B4-BE49-F238E27FC236}">
+                <a16:creationId xmlns:a16="http://schemas.microsoft.com/office/drawing/2014/main" id="{18146FF3-D9A3-4D8E-B465-F9FE8BB83283}"/>
+              </a:ext>
+            </a:extLst>
+          </p:cNvPr>
+          <p:cNvSpPr/>
+          <p:nvPr/>
+        </p:nvSpPr>
+        <p:spPr>
+          <a:xfrm>
+            <a:off x="1937812" y="1975549"/>
+            <a:ext cx="895450" cy="445770"/>
+          </a:xfrm>
+          <a:prstGeom prst="ellipse">
+            <a:avLst/>
+          </a:prstGeom>
+          <a:noFill/>
+          <a:ln w="28575">
+            <a:solidFill>
+              <a:srgbClr val="FF0000"/>
+            </a:solidFill>
+          </a:ln>
+        </p:spPr>
+        <p:style>
+          <a:lnRef idx="2">
+            <a:schemeClr val="accent1">
+              <a:shade val="50000"/>
+            </a:schemeClr>
+          </a:lnRef>
+          <a:fillRef idx="1">
+            <a:schemeClr val="accent1"/>
+          </a:fillRef>
+          <a:effectRef idx="0">
+            <a:schemeClr val="accent1"/>
+          </a:effectRef>
+          <a:fontRef idx="minor">
+            <a:schemeClr val="lt1"/>
+          </a:fontRef>
+        </p:style>
+        <p:txBody>
+          <a:bodyPr rtlCol="0" anchor="ctr"/>
+          <a:lstStyle/>
+          <a:p>
+            <a:pPr algn="ctr"/>
+            <a:endParaRPr kumimoji="1" lang="ja-JP" altLang="en-US"/>
+          </a:p>
+        </p:txBody>
+      </p:sp>
+    </p:spTree>
+    <p:extLst>
+      <p:ext uri="{BB962C8B-B14F-4D97-AF65-F5344CB8AC3E}">
+        <p14:creationId xmlns:p14="http://schemas.microsoft.com/office/powerpoint/2010/main" val="2055402443"/>
+      </p:ext>
+    </p:extLst>
+  </p:cSld>
+  <p:clrMapOvr>
+    <a:masterClrMapping/>
+  </p:clrMapOvr>
+</p:sld>
+</file>
+
+<file path=ppt/slides/slide3.xml><?xml version="1.0" encoding="utf-8"?>
+<p:sld xmlns:a="http://schemas.openxmlformats.org/drawingml/2006/main" xmlns:r="http://schemas.openxmlformats.org/officeDocument/2006/relationships" xmlns:p="http://schemas.openxmlformats.org/presentationml/2006/main">
+  <p:cSld>
+    <p:spTree>
+      <p:nvGrpSpPr>
+        <p:cNvPr id="1" name=""/>
+        <p:cNvGrpSpPr/>
+        <p:nvPr/>
+      </p:nvGrpSpPr>
+      <p:grpSpPr>
+        <a:xfrm>
+          <a:off x="0" y="0"/>
+          <a:ext cx="0" cy="0"/>
+          <a:chOff x="0" y="0"/>
+          <a:chExt cx="0" cy="0"/>
+        </a:xfrm>
+      </p:grpSpPr>
+      <p:pic>
+        <p:nvPicPr>
+          <p:cNvPr id="2" name="図 1">
+            <a:extLst>
+              <a:ext uri="{FF2B5EF4-FFF2-40B4-BE49-F238E27FC236}">
+                <a16:creationId xmlns:a16="http://schemas.microsoft.com/office/drawing/2014/main" id="{C323CDEE-7817-4B97-81E7-A2B78F9FDF57}"/>
+              </a:ext>
+            </a:extLst>
+          </p:cNvPr>
+          <p:cNvPicPr>
+            <a:picLocks noChangeAspect="1"/>
+          </p:cNvPicPr>
+          <p:nvPr/>
+        </p:nvPicPr>
+        <p:blipFill>
+          <a:blip r:embed="rId2"/>
+          <a:stretch>
+            <a:fillRect/>
+          </a:stretch>
+        </p:blipFill>
+        <p:spPr>
+          <a:xfrm>
+            <a:off x="1528762" y="1281112"/>
+            <a:ext cx="9134475" cy="4295775"/>
+          </a:xfrm>
+          <a:prstGeom prst="rect">
+            <a:avLst/>
+          </a:prstGeom>
+        </p:spPr>
+      </p:pic>
+    </p:spTree>
+    <p:extLst>
+      <p:ext uri="{BB962C8B-B14F-4D97-AF65-F5344CB8AC3E}">
+        <p14:creationId xmlns:p14="http://schemas.microsoft.com/office/powerpoint/2010/main" val="2432040090"/>
       </p:ext>
     </p:extLst>
   </p:cSld>

--- a/document/00_setup_handson_env/図版.pptx
+++ b/document/00_setup_handson_env/図版.pptx
@@ -8,6 +8,8 @@
     <p:sldId id="256" r:id="rId2"/>
     <p:sldId id="257" r:id="rId3"/>
     <p:sldId id="258" r:id="rId4"/>
+    <p:sldId id="259" r:id="rId5"/>
+    <p:sldId id="260" r:id="rId6"/>
   </p:sldIdLst>
   <p:sldSz cx="12192000" cy="6858000"/>
   <p:notesSz cx="6858000" cy="9144000"/>
@@ -3942,6 +3944,183 @@
 </p:sld>
 </file>
 
+<file path=ppt/slides/slide4.xml><?xml version="1.0" encoding="utf-8"?>
+<p:sld xmlns:a="http://schemas.openxmlformats.org/drawingml/2006/main" xmlns:r="http://schemas.openxmlformats.org/officeDocument/2006/relationships" xmlns:p="http://schemas.openxmlformats.org/presentationml/2006/main">
+  <p:cSld>
+    <p:spTree>
+      <p:nvGrpSpPr>
+        <p:cNvPr id="1" name=""/>
+        <p:cNvGrpSpPr/>
+        <p:nvPr/>
+      </p:nvGrpSpPr>
+      <p:grpSpPr>
+        <a:xfrm>
+          <a:off x="0" y="0"/>
+          <a:ext cx="0" cy="0"/>
+          <a:chOff x="0" y="0"/>
+          <a:chExt cx="0" cy="0"/>
+        </a:xfrm>
+      </p:grpSpPr>
+      <p:pic>
+        <p:nvPicPr>
+          <p:cNvPr id="3" name="図 2">
+            <a:extLst>
+              <a:ext uri="{FF2B5EF4-FFF2-40B4-BE49-F238E27FC236}">
+                <a16:creationId xmlns:a16="http://schemas.microsoft.com/office/drawing/2014/main" id="{D3C36802-B3B6-4A66-A83D-86E6EA8B53B4}"/>
+              </a:ext>
+            </a:extLst>
+          </p:cNvPr>
+          <p:cNvPicPr>
+            <a:picLocks noChangeAspect="1"/>
+          </p:cNvPicPr>
+          <p:nvPr/>
+        </p:nvPicPr>
+        <p:blipFill>
+          <a:blip r:embed="rId2"/>
+          <a:stretch>
+            <a:fillRect/>
+          </a:stretch>
+        </p:blipFill>
+        <p:spPr>
+          <a:xfrm>
+            <a:off x="1035406" y="0"/>
+            <a:ext cx="10121188" cy="6858000"/>
+          </a:xfrm>
+          <a:prstGeom prst="rect">
+            <a:avLst/>
+          </a:prstGeom>
+        </p:spPr>
+      </p:pic>
+    </p:spTree>
+    <p:extLst>
+      <p:ext uri="{BB962C8B-B14F-4D97-AF65-F5344CB8AC3E}">
+        <p14:creationId xmlns:p14="http://schemas.microsoft.com/office/powerpoint/2010/main" val="2864550209"/>
+      </p:ext>
+    </p:extLst>
+  </p:cSld>
+  <p:clrMapOvr>
+    <a:masterClrMapping/>
+  </p:clrMapOvr>
+</p:sld>
+</file>
+
+<file path=ppt/slides/slide5.xml><?xml version="1.0" encoding="utf-8"?>
+<p:sld xmlns:a="http://schemas.openxmlformats.org/drawingml/2006/main" xmlns:r="http://schemas.openxmlformats.org/officeDocument/2006/relationships" xmlns:p="http://schemas.openxmlformats.org/presentationml/2006/main">
+  <p:cSld>
+    <p:spTree>
+      <p:nvGrpSpPr>
+        <p:cNvPr id="1" name=""/>
+        <p:cNvGrpSpPr/>
+        <p:nvPr/>
+      </p:nvGrpSpPr>
+      <p:grpSpPr>
+        <a:xfrm>
+          <a:off x="0" y="0"/>
+          <a:ext cx="0" cy="0"/>
+          <a:chOff x="0" y="0"/>
+          <a:chExt cx="0" cy="0"/>
+        </a:xfrm>
+      </p:grpSpPr>
+      <p:pic>
+        <p:nvPicPr>
+          <p:cNvPr id="2" name="図 1">
+            <a:extLst>
+              <a:ext uri="{FF2B5EF4-FFF2-40B4-BE49-F238E27FC236}">
+                <a16:creationId xmlns:a16="http://schemas.microsoft.com/office/drawing/2014/main" id="{8BFBE60E-19B6-4CE0-8EFB-E316CB50BE9E}"/>
+              </a:ext>
+            </a:extLst>
+          </p:cNvPr>
+          <p:cNvPicPr>
+            <a:picLocks noChangeAspect="1"/>
+          </p:cNvPicPr>
+          <p:nvPr/>
+        </p:nvPicPr>
+        <p:blipFill>
+          <a:blip r:embed="rId2"/>
+          <a:stretch>
+            <a:fillRect/>
+          </a:stretch>
+        </p:blipFill>
+        <p:spPr>
+          <a:xfrm>
+            <a:off x="1483949" y="-175214"/>
+            <a:ext cx="9224102" cy="6858000"/>
+          </a:xfrm>
+          <a:prstGeom prst="rect">
+            <a:avLst/>
+          </a:prstGeom>
+        </p:spPr>
+      </p:pic>
+      <p:sp>
+        <p:nvSpPr>
+          <p:cNvPr id="4" name="四角形: 角を丸くする 3">
+            <a:extLst>
+              <a:ext uri="{FF2B5EF4-FFF2-40B4-BE49-F238E27FC236}">
+                <a16:creationId xmlns:a16="http://schemas.microsoft.com/office/drawing/2014/main" id="{85E0C3BE-2C3C-4088-9248-7BA5F79E8D6B}"/>
+              </a:ext>
+            </a:extLst>
+          </p:cNvPr>
+          <p:cNvSpPr/>
+          <p:nvPr/>
+        </p:nvSpPr>
+        <p:spPr>
+          <a:xfrm>
+            <a:off x="2132563" y="3314016"/>
+            <a:ext cx="7027863" cy="831273"/>
+          </a:xfrm>
+          <a:prstGeom prst="roundRect">
+            <a:avLst/>
+          </a:prstGeom>
+          <a:noFill/>
+          <a:ln w="28575">
+            <a:solidFill>
+              <a:srgbClr val="FF0000"/>
+            </a:solidFill>
+          </a:ln>
+        </p:spPr>
+        <p:style>
+          <a:lnRef idx="2">
+            <a:schemeClr val="accent1">
+              <a:shade val="50000"/>
+            </a:schemeClr>
+          </a:lnRef>
+          <a:fillRef idx="1">
+            <a:schemeClr val="accent1"/>
+          </a:fillRef>
+          <a:effectRef idx="0">
+            <a:schemeClr val="accent1"/>
+          </a:effectRef>
+          <a:fontRef idx="minor">
+            <a:schemeClr val="lt1"/>
+          </a:fontRef>
+        </p:style>
+        <p:txBody>
+          <a:bodyPr rot="0" spcFirstLastPara="0" vertOverflow="overflow" horzOverflow="overflow" vert="horz" wrap="square" lIns="91440" tIns="45720" rIns="91440" bIns="45720" numCol="1" spcCol="0" rtlCol="0" fromWordArt="0" anchor="ctr" anchorCtr="0" forceAA="0" compatLnSpc="1">
+            <a:prstTxWarp prst="textNoShape">
+              <a:avLst/>
+            </a:prstTxWarp>
+            <a:noAutofit/>
+          </a:bodyPr>
+          <a:lstStyle/>
+          <a:p>
+            <a:pPr algn="ctr"/>
+            <a:endParaRPr lang="ja-JP" altLang="en-US"/>
+          </a:p>
+        </p:txBody>
+      </p:sp>
+    </p:spTree>
+    <p:extLst>
+      <p:ext uri="{BB962C8B-B14F-4D97-AF65-F5344CB8AC3E}">
+        <p14:creationId xmlns:p14="http://schemas.microsoft.com/office/powerpoint/2010/main" val="3646495822"/>
+      </p:ext>
+    </p:extLst>
+  </p:cSld>
+  <p:clrMapOvr>
+    <a:masterClrMapping/>
+  </p:clrMapOvr>
+</p:sld>
+</file>
+
 <file path=ppt/theme/theme1.xml><?xml version="1.0" encoding="utf-8"?>
 <a:theme xmlns:a="http://schemas.openxmlformats.org/drawingml/2006/main" name="Office テーマ">
   <a:themeElements>
